--- a/Safeera V -aicte  project.pptx
+++ b/Safeera V -aicte  project.pptx
@@ -7621,16 +7621,16 @@
 <file path=customXml/itemProps3.xml><?xml version="1.0" encoding="utf-8"?>
 <ds:datastoreItem xmlns:ds="http://schemas.openxmlformats.org/officeDocument/2006/customXml" ds:itemID="{8D289AE2-D2AE-49D1-AFAC-3A79F6794255}">
   <ds:schemaRefs>
-    <ds:schemaRef ds:uri="http://purl.org/dc/dcmitype/"/>
-    <ds:schemaRef ds:uri="http://schemas.microsoft.com/office/infopath/2007/PartnerControls"/>
     <ds:schemaRef ds:uri="http://schemas.microsoft.com/office/2006/documentManagement/types"/>
+    <ds:schemaRef ds:uri="fadb41d3-f9cb-40fb-903c-8cacaba95bb5"/>
     <ds:schemaRef ds:uri="http://purl.org/dc/elements/1.1/"/>
     <ds:schemaRef ds:uri="http://schemas.microsoft.com/office/2006/metadata/properties"/>
-    <ds:schemaRef ds:uri="fadb41d3-f9cb-40fb-903c-8cacaba95bb5"/>
-    <ds:schemaRef ds:uri="http://purl.org/dc/terms/"/>
     <ds:schemaRef ds:uri="http://schemas.openxmlformats.org/package/2006/metadata/core-properties"/>
     <ds:schemaRef ds:uri="b30265f8-c5e2-4918-b4a1-b977299ca3e2"/>
+    <ds:schemaRef ds:uri="http://purl.org/dc/terms/"/>
+    <ds:schemaRef ds:uri="http://schemas.microsoft.com/office/infopath/2007/PartnerControls"/>
     <ds:schemaRef ds:uri="http://www.w3.org/XML/1998/namespace"/>
+    <ds:schemaRef ds:uri="http://purl.org/dc/dcmitype/"/>
   </ds:schemaRefs>
 </ds:datastoreItem>
 </file>